--- a/EL_Electrical/Faisceau/architecture faisceau.pptx
+++ b/EL_Electrical/Faisceau/architecture faisceau.pptx
@@ -245,7 +245,7 @@
           <a:p>
             <a:fld id="{FEE8A32C-D166-4AB3-A0B0-804C821C185D}" type="datetimeFigureOut">
               <a:rPr lang="fr-FR" smtClean="0"/>
-              <a:t>02/10/2019</a:t>
+              <a:t>16/12/2020</a:t>
             </a:fld>
             <a:endParaRPr lang="fr-FR" dirty="0"/>
           </a:p>
@@ -415,7 +415,7 @@
           <a:p>
             <a:fld id="{FEE8A32C-D166-4AB3-A0B0-804C821C185D}" type="datetimeFigureOut">
               <a:rPr lang="fr-FR" smtClean="0"/>
-              <a:t>02/10/2019</a:t>
+              <a:t>16/12/2020</a:t>
             </a:fld>
             <a:endParaRPr lang="fr-FR" dirty="0"/>
           </a:p>
@@ -595,7 +595,7 @@
           <a:p>
             <a:fld id="{FEE8A32C-D166-4AB3-A0B0-804C821C185D}" type="datetimeFigureOut">
               <a:rPr lang="fr-FR" smtClean="0"/>
-              <a:t>02/10/2019</a:t>
+              <a:t>16/12/2020</a:t>
             </a:fld>
             <a:endParaRPr lang="fr-FR" dirty="0"/>
           </a:p>
@@ -765,7 +765,7 @@
           <a:p>
             <a:fld id="{FEE8A32C-D166-4AB3-A0B0-804C821C185D}" type="datetimeFigureOut">
               <a:rPr lang="fr-FR" smtClean="0"/>
-              <a:t>02/10/2019</a:t>
+              <a:t>16/12/2020</a:t>
             </a:fld>
             <a:endParaRPr lang="fr-FR" dirty="0"/>
           </a:p>
@@ -1011,7 +1011,7 @@
           <a:p>
             <a:fld id="{FEE8A32C-D166-4AB3-A0B0-804C821C185D}" type="datetimeFigureOut">
               <a:rPr lang="fr-FR" smtClean="0"/>
-              <a:t>02/10/2019</a:t>
+              <a:t>16/12/2020</a:t>
             </a:fld>
             <a:endParaRPr lang="fr-FR" dirty="0"/>
           </a:p>
@@ -1243,7 +1243,7 @@
           <a:p>
             <a:fld id="{FEE8A32C-D166-4AB3-A0B0-804C821C185D}" type="datetimeFigureOut">
               <a:rPr lang="fr-FR" smtClean="0"/>
-              <a:t>02/10/2019</a:t>
+              <a:t>16/12/2020</a:t>
             </a:fld>
             <a:endParaRPr lang="fr-FR" dirty="0"/>
           </a:p>
@@ -1610,7 +1610,7 @@
           <a:p>
             <a:fld id="{FEE8A32C-D166-4AB3-A0B0-804C821C185D}" type="datetimeFigureOut">
               <a:rPr lang="fr-FR" smtClean="0"/>
-              <a:t>02/10/2019</a:t>
+              <a:t>16/12/2020</a:t>
             </a:fld>
             <a:endParaRPr lang="fr-FR" dirty="0"/>
           </a:p>
@@ -1728,7 +1728,7 @@
           <a:p>
             <a:fld id="{FEE8A32C-D166-4AB3-A0B0-804C821C185D}" type="datetimeFigureOut">
               <a:rPr lang="fr-FR" smtClean="0"/>
-              <a:t>02/10/2019</a:t>
+              <a:t>16/12/2020</a:t>
             </a:fld>
             <a:endParaRPr lang="fr-FR" dirty="0"/>
           </a:p>
@@ -1823,7 +1823,7 @@
           <a:p>
             <a:fld id="{FEE8A32C-D166-4AB3-A0B0-804C821C185D}" type="datetimeFigureOut">
               <a:rPr lang="fr-FR" smtClean="0"/>
-              <a:t>02/10/2019</a:t>
+              <a:t>16/12/2020</a:t>
             </a:fld>
             <a:endParaRPr lang="fr-FR" dirty="0"/>
           </a:p>
@@ -2100,7 +2100,7 @@
           <a:p>
             <a:fld id="{FEE8A32C-D166-4AB3-A0B0-804C821C185D}" type="datetimeFigureOut">
               <a:rPr lang="fr-FR" smtClean="0"/>
-              <a:t>02/10/2019</a:t>
+              <a:t>16/12/2020</a:t>
             </a:fld>
             <a:endParaRPr lang="fr-FR" dirty="0"/>
           </a:p>
@@ -2353,7 +2353,7 @@
           <a:p>
             <a:fld id="{FEE8A32C-D166-4AB3-A0B0-804C821C185D}" type="datetimeFigureOut">
               <a:rPr lang="fr-FR" smtClean="0"/>
-              <a:t>02/10/2019</a:t>
+              <a:t>16/12/2020</a:t>
             </a:fld>
             <a:endParaRPr lang="fr-FR" dirty="0"/>
           </a:p>
@@ -2566,7 +2566,7 @@
           <a:p>
             <a:fld id="{FEE8A32C-D166-4AB3-A0B0-804C821C185D}" type="datetimeFigureOut">
               <a:rPr lang="fr-FR" smtClean="0"/>
-              <a:t>02/10/2019</a:t>
+              <a:t>16/12/2020</a:t>
             </a:fld>
             <a:endParaRPr lang="fr-FR" dirty="0"/>
           </a:p>
@@ -3049,7 +3049,7 @@
             <a:pPr algn="ctr"/>
             <a:r>
               <a:rPr lang="fr-FR" dirty="0" smtClean="0"/>
-              <a:t>Carte arrière (Passage de vitesse)</a:t>
+              <a:t>Rear Card (gearshift controller)</a:t>
             </a:r>
             <a:endParaRPr lang="fr-FR" dirty="0"/>
           </a:p>
@@ -3091,14 +3091,15 @@
             <a:pPr algn="ctr"/>
             <a:r>
               <a:rPr lang="fr-FR" dirty="0" smtClean="0"/>
-              <a:t>Carte Avant</a:t>
-            </a:r>
+              <a:t>Front Card</a:t>
+            </a:r>
+            <a:endParaRPr lang="fr-FR" dirty="0" smtClean="0"/>
           </a:p>
           <a:p>
             <a:pPr algn="ctr"/>
             <a:r>
               <a:rPr lang="fr-FR" dirty="0" smtClean="0"/>
-              <a:t>(Contrôle du tableau de bord)</a:t>
+              <a:t>(Dashboard Controller)</a:t>
             </a:r>
             <a:endParaRPr lang="fr-FR" dirty="0"/>
           </a:p>
@@ -3195,22 +3196,31 @@
           <a:p>
             <a:pPr algn="ctr"/>
             <a:r>
+              <a:rPr lang="fr-FR" dirty="0"/>
+              <a:t>Data </a:t>
+            </a:r>
+            <a:r>
               <a:rPr lang="fr-FR" dirty="0" smtClean="0"/>
-              <a:t>Architecture Faisceau</a:t>
-            </a:r>
+              <a:t>Harness</a:t>
+            </a:r>
+            <a:endParaRPr lang="fr-FR" dirty="0"/>
           </a:p>
           <a:p>
             <a:pPr algn="ctr"/>
             <a:r>
               <a:rPr lang="fr-FR" dirty="0" smtClean="0"/>
-              <a:t>Données</a:t>
+              <a:t>Architecture </a:t>
             </a:r>
           </a:p>
           <a:p>
             <a:pPr algn="ctr"/>
             <a:r>
               <a:rPr lang="fr-FR" dirty="0" smtClean="0"/>
-              <a:t>V1.1 - CLS</a:t>
+              <a:t>V1.1 </a:t>
+            </a:r>
+            <a:r>
+              <a:rPr lang="fr-FR" dirty="0" smtClean="0"/>
+              <a:t>- CLS</a:t>
             </a:r>
             <a:endParaRPr lang="fr-FR" dirty="0"/>
           </a:p>
@@ -3359,7 +3369,7 @@
               <a:pPr algn="ctr"/>
               <a:r>
                 <a:rPr lang="fr-FR" dirty="0" smtClean="0"/>
-                <a:t>Tableau de Bord</a:t>
+                <a:t>DashBoard</a:t>
               </a:r>
               <a:endParaRPr lang="fr-FR" dirty="0"/>
             </a:p>
@@ -3401,11 +3411,7 @@
               <a:pPr algn="ctr"/>
               <a:r>
                 <a:rPr lang="fr-FR" dirty="0" smtClean="0"/>
-                <a:t>Afficheur (Batterie</a:t>
-              </a:r>
-              <a:r>
-                <a:rPr lang="fr-FR" dirty="0" smtClean="0"/>
-                <a:t>, rapport, RPM)</a:t>
+                <a:t>Display (Battery, engaged gear, motor temperature)</a:t>
               </a:r>
               <a:endParaRPr lang="fr-FR" dirty="0"/>
             </a:p>
@@ -3426,6 +3432,13 @@
           <a:prstGeom prst="line">
             <a:avLst/>
           </a:prstGeom>
+          <a:ln>
+            <a:solidFill>
+              <a:schemeClr val="accent6">
+                <a:lumMod val="75000"/>
+              </a:schemeClr>
+            </a:solidFill>
+          </a:ln>
         </p:spPr>
         <p:style>
           <a:lnRef idx="3">
@@ -3445,9 +3458,7 @@
       <p:cxnSp>
         <p:nvCxnSpPr>
           <p:cNvPr id="26" name="Connecteur droit 25"/>
-          <p:cNvCxnSpPr>
-            <a:endCxn id="23" idx="0"/>
-          </p:cNvCxnSpPr>
+          <p:cNvCxnSpPr/>
           <p:nvPr/>
         </p:nvCxnSpPr>
         <p:spPr>
@@ -3458,6 +3469,13 @@
           <a:prstGeom prst="line">
             <a:avLst/>
           </a:prstGeom>
+          <a:ln>
+            <a:solidFill>
+              <a:schemeClr val="accent6">
+                <a:lumMod val="75000"/>
+              </a:schemeClr>
+            </a:solidFill>
+          </a:ln>
         </p:spPr>
         <p:style>
           <a:lnRef idx="3">
@@ -3483,7 +3501,7 @@
         <p:spPr>
           <a:xfrm>
             <a:off x="437074" y="1423683"/>
-            <a:ext cx="1500994" cy="369332"/>
+            <a:ext cx="1500994" cy="646331"/>
           </a:xfrm>
           <a:prstGeom prst="rect">
             <a:avLst/>
@@ -3500,14 +3518,18 @@
             <a:r>
               <a:rPr lang="fr-FR" dirty="0" smtClean="0">
                 <a:solidFill>
-                  <a:srgbClr val="FFC000"/>
+                  <a:schemeClr val="accent6">
+                    <a:lumMod val="75000"/>
+                  </a:schemeClr>
                 </a:solidFill>
               </a:rPr>
-              <a:t>serial</a:t>
+              <a:t>Serial connection</a:t>
             </a:r>
             <a:endParaRPr lang="fr-FR" dirty="0">
               <a:solidFill>
-                <a:srgbClr val="FFC000"/>
+                <a:schemeClr val="accent6">
+                  <a:lumMod val="75000"/>
+                </a:schemeClr>
               </a:solidFill>
             </a:endParaRPr>
           </a:p>
@@ -3541,7 +3563,7 @@
                   <a:srgbClr val="0070C0"/>
                 </a:solidFill>
               </a:rPr>
-              <a:t>BUS CAN</a:t>
+              <a:t>CAN BUS</a:t>
             </a:r>
             <a:endParaRPr lang="fr-FR" dirty="0">
               <a:solidFill>
@@ -3565,6 +3587,13 @@
           <a:prstGeom prst="line">
             <a:avLst/>
           </a:prstGeom>
+          <a:ln>
+            <a:solidFill>
+              <a:schemeClr val="accent6">
+                <a:lumMod val="75000"/>
+              </a:schemeClr>
+            </a:solidFill>
+          </a:ln>
         </p:spPr>
         <p:style>
           <a:lnRef idx="3">
@@ -3605,24 +3634,33 @@
           <a:p>
             <a:pPr algn="ctr"/>
             <a:r>
-              <a:rPr lang="fr-FR" dirty="0" smtClean="0">
+              <a:rPr lang="fr-FR" dirty="0">
                 <a:solidFill>
-                  <a:srgbClr val="FFC000"/>
+                  <a:schemeClr val="accent6">
+                    <a:lumMod val="75000"/>
+                  </a:schemeClr>
                 </a:solidFill>
               </a:rPr>
-              <a:t>Connection directe (</a:t>
-            </a:r>
-            <a:r>
-              <a:rPr lang="fr-FR" dirty="0" smtClean="0">
+              <a:t>Direct connection</a:t>
+            </a:r>
+          </a:p>
+          <a:p>
+            <a:pPr algn="ctr"/>
+            <a:r>
+              <a:rPr lang="fr-FR" dirty="0">
                 <a:solidFill>
-                  <a:srgbClr val="FFC000"/>
+                  <a:schemeClr val="accent6">
+                    <a:lumMod val="75000"/>
+                  </a:schemeClr>
                 </a:solidFill>
               </a:rPr>
-              <a:t>Palettes)</a:t>
+              <a:t>(Gearshift paddles)</a:t>
             </a:r>
             <a:endParaRPr lang="fr-FR" dirty="0">
               <a:solidFill>
-                <a:srgbClr val="FFC000"/>
+                <a:schemeClr val="accent6">
+                  <a:lumMod val="75000"/>
+                </a:schemeClr>
               </a:solidFill>
             </a:endParaRPr>
           </a:p>
@@ -3642,6 +3680,13 @@
           <a:prstGeom prst="line">
             <a:avLst/>
           </a:prstGeom>
+          <a:ln>
+            <a:solidFill>
+              <a:schemeClr val="accent6">
+                <a:lumMod val="75000"/>
+              </a:schemeClr>
+            </a:solidFill>
+          </a:ln>
         </p:spPr>
         <p:style>
           <a:lnRef idx="3">
@@ -3724,38 +3769,27 @@
             <a:pPr algn="ctr"/>
             <a:r>
               <a:rPr lang="fr-FR" dirty="0" smtClean="0"/>
-              <a:t>Capteurs</a:t>
-            </a:r>
+              <a:t>Sensors</a:t>
+            </a:r>
+            <a:endParaRPr lang="fr-FR" dirty="0" smtClean="0"/>
           </a:p>
           <a:p>
             <a:pPr algn="ctr"/>
             <a:r>
+              <a:rPr lang="fr-FR" sz="1400" dirty="0"/>
+              <a:t>(motor temperature,  </a:t>
+            </a:r>
+            <a:r>
               <a:rPr lang="fr-FR" sz="1400" dirty="0" smtClean="0"/>
-              <a:t>(température moteur,  vitesse roue,  angle </a:t>
+              <a:t>wheel speed,  steering angle, suspension travel, air entry, lambda</a:t>
             </a:r>
             <a:r>
               <a:rPr lang="fr-FR" sz="1400" dirty="0" smtClean="0"/>
-              <a:t>volant, débattement </a:t>
+              <a:t>, </a:t>
             </a:r>
             <a:r>
               <a:rPr lang="fr-FR" sz="1400" dirty="0" smtClean="0"/>
-              <a:t>suspension, admission </a:t>
-            </a:r>
-            <a:r>
-              <a:rPr lang="fr-FR" sz="1400" dirty="0" smtClean="0"/>
-              <a:t>air, </a:t>
-            </a:r>
-            <a:r>
-              <a:rPr lang="fr-FR" sz="1400" dirty="0" smtClean="0"/>
-              <a:t>sonde lambda, </a:t>
-            </a:r>
-            <a:r>
-              <a:rPr lang="fr-FR" sz="1400" dirty="0" smtClean="0"/>
-              <a:t>pression </a:t>
-            </a:r>
-            <a:r>
-              <a:rPr lang="fr-FR" sz="1400" dirty="0" smtClean="0"/>
-              <a:t>essence)</a:t>
+              <a:t>fuel pressure)</a:t>
             </a:r>
             <a:endParaRPr lang="fr-FR" sz="1400" dirty="0"/>
           </a:p>
@@ -3777,6 +3811,13 @@
           <a:prstGeom prst="line">
             <a:avLst/>
           </a:prstGeom>
+          <a:ln>
+            <a:solidFill>
+              <a:schemeClr val="accent6">
+                <a:lumMod val="75000"/>
+              </a:schemeClr>
+            </a:solidFill>
+          </a:ln>
         </p:spPr>
         <p:style>
           <a:lnRef idx="3">
@@ -3801,8 +3842,8 @@
         </p:nvSpPr>
         <p:spPr>
           <a:xfrm>
-            <a:off x="8775052" y="3908016"/>
-            <a:ext cx="1529377" cy="523220"/>
+            <a:off x="8916669" y="3907105"/>
+            <a:ext cx="1193663" cy="523220"/>
           </a:xfrm>
           <a:prstGeom prst="rect">
             <a:avLst/>
@@ -3817,16 +3858,20 @@
           <a:p>
             <a:pPr algn="ctr"/>
             <a:r>
-              <a:rPr lang="fr-FR" sz="1400" dirty="0" smtClean="0">
+              <a:rPr lang="fr-FR" sz="1400" dirty="0">
                 <a:solidFill>
-                  <a:srgbClr val="FFC000"/>
+                  <a:schemeClr val="accent6">
+                    <a:lumMod val="75000"/>
+                  </a:schemeClr>
                 </a:solidFill>
               </a:rPr>
-              <a:t>Connection directe</a:t>
+              <a:t>Direct Connection</a:t>
             </a:r>
             <a:endParaRPr lang="fr-FR" sz="1400" dirty="0">
               <a:solidFill>
-                <a:srgbClr val="FFC000"/>
+                <a:schemeClr val="accent6">
+                  <a:lumMod val="75000"/>
+                </a:schemeClr>
               </a:solidFill>
             </a:endParaRPr>
           </a:p>
@@ -3858,14 +3903,18 @@
             <a:r>
               <a:rPr lang="fr-FR" dirty="0" smtClean="0">
                 <a:solidFill>
-                  <a:srgbClr val="FFC000"/>
+                  <a:schemeClr val="accent6">
+                    <a:lumMod val="75000"/>
+                  </a:schemeClr>
                 </a:solidFill>
               </a:rPr>
-              <a:t>Connection directe </a:t>
+              <a:t>Direct connection</a:t>
             </a:r>
             <a:endParaRPr lang="fr-FR" dirty="0">
               <a:solidFill>
-                <a:srgbClr val="FFC000"/>
+                <a:schemeClr val="accent6">
+                  <a:lumMod val="75000"/>
+                </a:schemeClr>
               </a:solidFill>
             </a:endParaRPr>
           </a:p>
@@ -3874,78 +3923,18 @@
             <a:r>
               <a:rPr lang="fr-FR" dirty="0" smtClean="0">
                 <a:solidFill>
-                  <a:srgbClr val="FFC000"/>
+                  <a:schemeClr val="accent6">
+                    <a:lumMod val="75000"/>
+                  </a:schemeClr>
                 </a:solidFill>
               </a:rPr>
-              <a:t>(</a:t>
-            </a:r>
-            <a:r>
-              <a:rPr lang="fr-FR" dirty="0" err="1" smtClean="0">
-                <a:solidFill>
-                  <a:srgbClr val="FFC000"/>
-                </a:solidFill>
-              </a:rPr>
-              <a:t>launch</a:t>
-            </a:r>
-            <a:r>
-              <a:rPr lang="fr-FR" dirty="0" smtClean="0">
-                <a:solidFill>
-                  <a:srgbClr val="FFC000"/>
-                </a:solidFill>
-              </a:rPr>
-              <a:t>, traction et mode, </a:t>
-            </a:r>
-            <a:r>
-              <a:rPr lang="fr-FR" dirty="0" err="1" smtClean="0">
-                <a:solidFill>
-                  <a:srgbClr val="FFC000"/>
-                </a:solidFill>
-              </a:rPr>
-              <a:t>cut</a:t>
-            </a:r>
-            <a:r>
-              <a:rPr lang="fr-FR" dirty="0" smtClean="0">
-                <a:solidFill>
-                  <a:srgbClr val="FFC000"/>
-                </a:solidFill>
-              </a:rPr>
-              <a:t> injection, shift </a:t>
-            </a:r>
-            <a:r>
-              <a:rPr lang="fr-FR" dirty="0" err="1" smtClean="0">
-                <a:solidFill>
-                  <a:srgbClr val="FFC000"/>
-                </a:solidFill>
-              </a:rPr>
-              <a:t>cut</a:t>
-            </a:r>
-            <a:r>
-              <a:rPr lang="fr-FR" dirty="0" smtClean="0">
-                <a:solidFill>
-                  <a:srgbClr val="FFC000"/>
-                </a:solidFill>
-              </a:rPr>
-              <a:t>, </a:t>
-            </a:r>
-            <a:r>
-              <a:rPr lang="fr-FR" dirty="0" err="1" smtClean="0">
-                <a:solidFill>
-                  <a:srgbClr val="FFC000"/>
-                </a:solidFill>
-              </a:rPr>
-              <a:t>gear</a:t>
-            </a:r>
-            <a:r>
-              <a:rPr lang="fr-FR" dirty="0" smtClean="0">
-                <a:solidFill>
-                  <a:srgbClr val="FFC000"/>
-                </a:solidFill>
-              </a:rPr>
-              <a:t> pot)</a:t>
+              <a:t>(launch, traction et mode, cut injection, shift cut, gear pot)</a:t>
             </a:r>
             <a:endParaRPr lang="fr-FR" dirty="0">
               <a:solidFill>
-                <a:srgbClr val="FFC000"/>
+                <a:schemeClr val="accent6">
+                  <a:lumMod val="75000"/>
+                </a:schemeClr>
               </a:solidFill>
             </a:endParaRPr>
           </a:p>
@@ -3965,6 +3954,13 @@
           <a:prstGeom prst="line">
             <a:avLst/>
           </a:prstGeom>
+          <a:ln>
+            <a:solidFill>
+              <a:schemeClr val="accent6">
+                <a:lumMod val="75000"/>
+              </a:schemeClr>
+            </a:solidFill>
+          </a:ln>
         </p:spPr>
         <p:style>
           <a:lnRef idx="3">
@@ -3995,6 +3991,13 @@
           <a:prstGeom prst="line">
             <a:avLst/>
           </a:prstGeom>
+          <a:ln>
+            <a:solidFill>
+              <a:schemeClr val="accent6">
+                <a:lumMod val="75000"/>
+              </a:schemeClr>
+            </a:solidFill>
+          </a:ln>
         </p:spPr>
         <p:style>
           <a:lnRef idx="3">
@@ -4020,7 +4023,7 @@
         <p:spPr>
           <a:xfrm>
             <a:off x="8439339" y="2668968"/>
-            <a:ext cx="1529377" cy="523220"/>
+            <a:ext cx="1529377" cy="307777"/>
           </a:xfrm>
           <a:prstGeom prst="rect">
             <a:avLst/>
@@ -4037,14 +4040,18 @@
             <a:r>
               <a:rPr lang="fr-FR" sz="1400" dirty="0" smtClean="0">
                 <a:solidFill>
-                  <a:srgbClr val="FFC000"/>
+                  <a:schemeClr val="accent6">
+                    <a:lumMod val="75000"/>
+                  </a:schemeClr>
                 </a:solidFill>
               </a:rPr>
-              <a:t>Connection directe</a:t>
+              <a:t>Direct Connection</a:t>
             </a:r>
             <a:endParaRPr lang="fr-FR" sz="1400" dirty="0">
               <a:solidFill>
-                <a:srgbClr val="FFC000"/>
+                <a:schemeClr val="accent6">
+                  <a:lumMod val="75000"/>
+                </a:schemeClr>
               </a:solidFill>
             </a:endParaRPr>
           </a:p>
@@ -4064,6 +4071,13 @@
           <a:prstGeom prst="line">
             <a:avLst/>
           </a:prstGeom>
+          <a:ln>
+            <a:solidFill>
+              <a:schemeClr val="accent6">
+                <a:lumMod val="75000"/>
+              </a:schemeClr>
+            </a:solidFill>
+          </a:ln>
         </p:spPr>
         <p:style>
           <a:lnRef idx="3">
@@ -4094,6 +4108,13 @@
           <a:prstGeom prst="line">
             <a:avLst/>
           </a:prstGeom>
+          <a:ln>
+            <a:solidFill>
+              <a:schemeClr val="accent6">
+                <a:lumMod val="75000"/>
+              </a:schemeClr>
+            </a:solidFill>
+          </a:ln>
         </p:spPr>
         <p:style>
           <a:lnRef idx="3">
@@ -4124,6 +4145,13 @@
           <a:prstGeom prst="line">
             <a:avLst/>
           </a:prstGeom>
+          <a:ln>
+            <a:solidFill>
+              <a:schemeClr val="accent6">
+                <a:lumMod val="75000"/>
+              </a:schemeClr>
+            </a:solidFill>
+          </a:ln>
         </p:spPr>
         <p:style>
           <a:lnRef idx="3">
